--- a/materials/slides/ch05.pptx
+++ b/materials/slides/ch05.pptx
@@ -37,20 +37,20 @@
   <p:notesSz cx="6858000" cy="9144000"/>
   <p:embeddedFontLst>
     <p:embeddedFont>
+      <p:font typeface="Calibri" panose="020F0502020204030204" pitchFamily="34" charset="0"/>
+      <p:regular r:id="rId27"/>
+      <p:bold r:id="rId28"/>
+      <p:italic r:id="rId29"/>
+      <p:boldItalic r:id="rId30"/>
+    </p:embeddedFont>
+    <p:embeddedFont>
       <p:font typeface="黑体" panose="02010609060101010101" pitchFamily="49" charset="-122"/>
-      <p:regular r:id="rId27"/>
+      <p:regular r:id="rId31"/>
     </p:embeddedFont>
     <p:embeddedFont>
       <p:font typeface="微软雅黑" panose="020B0503020204020204" pitchFamily="34" charset="-122"/>
-      <p:regular r:id="rId28"/>
-      <p:bold r:id="rId29"/>
-    </p:embeddedFont>
-    <p:embeddedFont>
-      <p:font typeface="Calibri" panose="020F0502020204030204" pitchFamily="34" charset="0"/>
-      <p:regular r:id="rId30"/>
-      <p:bold r:id="rId31"/>
-      <p:italic r:id="rId32"/>
-      <p:boldItalic r:id="rId33"/>
+      <p:regular r:id="rId32"/>
+      <p:bold r:id="rId33"/>
     </p:embeddedFont>
   </p:embeddedFontLst>
   <p:defaultTextStyle>
@@ -211,10 +211,6 @@
 </p:presentation>
 </file>
 
-<file path=ppt/revisionInfo.xml><?xml version="1.0" encoding="utf-8"?>
-<p1510:revInfo xmlns:a="http://schemas.openxmlformats.org/drawingml/2006/main" xmlns:r="http://schemas.openxmlformats.org/officeDocument/2006/relationships" xmlns:p1510="http://schemas.microsoft.com/office/powerpoint/2015/10/main"/>
-</file>
-
 <file path=ppt/notesMasters/notesMaster1.xml><?xml version="1.0" encoding="utf-8"?>
 <p:notesMaster xmlns:a="http://schemas.openxmlformats.org/drawingml/2006/main" xmlns:r="http://schemas.openxmlformats.org/officeDocument/2006/relationships" xmlns:p="http://schemas.openxmlformats.org/presentationml/2006/main">
   <p:cSld>
@@ -312,7 +308,7 @@
               <a:pPr>
                 <a:defRPr/>
               </a:pPr>
-              <a:t>2018/2/5</a:t>
+              <a:t>2019/7/16</a:t>
             </a:fld>
             <a:endParaRPr lang="zh-CN" altLang="en-US"/>
           </a:p>
@@ -1019,7 +1015,7 @@
           <a:graphicData uri="http://schemas.openxmlformats.org/presentationml/2006/ole">
             <mc:AlternateContent xmlns:mc="http://schemas.openxmlformats.org/markup-compatibility/2006">
               <mc:Choice xmlns:v="urn:schemas-microsoft-com:vml" Requires="v">
-                <p:oleObj spid="_x0000_s47134" r:id="rId4" imgW="6824520" imgH="1076040" progId="">
+                <p:oleObj spid="_x0000_s47135" r:id="rId4" imgW="6824520" imgH="1076040" progId="">
                   <p:embed/>
                 </p:oleObj>
               </mc:Choice>
@@ -1338,7 +1334,7 @@
               <a:pPr>
                 <a:defRPr/>
               </a:pPr>
-              <a:t>2018/2/5</a:t>
+              <a:t>2019/7/16</a:t>
             </a:fld>
             <a:endParaRPr lang="zh-CN" altLang="en-US"/>
           </a:p>
@@ -1538,7 +1534,7 @@
               <a:pPr>
                 <a:defRPr/>
               </a:pPr>
-              <a:t>2018/2/5</a:t>
+              <a:t>2019/7/16</a:t>
             </a:fld>
             <a:endParaRPr lang="zh-CN" altLang="en-US"/>
           </a:p>
@@ -1676,7 +1672,7 @@
           <a:graphicData uri="http://schemas.openxmlformats.org/presentationml/2006/ole">
             <mc:AlternateContent xmlns:mc="http://schemas.openxmlformats.org/markup-compatibility/2006">
               <mc:Choice xmlns:v="urn:schemas-microsoft-com:vml" Requires="v">
-                <p:oleObj spid="_x0000_s52254" r:id="rId4" imgW="6824520" imgH="1076040" progId="">
+                <p:oleObj spid="_x0000_s52255" r:id="rId4" imgW="6824520" imgH="1076040" progId="">
                   <p:embed/>
                 </p:oleObj>
               </mc:Choice>
@@ -2077,7 +2073,7 @@
           <a:graphicData uri="http://schemas.openxmlformats.org/presentationml/2006/ole">
             <mc:AlternateContent xmlns:mc="http://schemas.openxmlformats.org/markup-compatibility/2006">
               <mc:Choice xmlns:v="urn:schemas-microsoft-com:vml" Requires="v">
-                <p:oleObj spid="_x0000_s48158" r:id="rId4" imgW="6824520" imgH="1076040" progId="">
+                <p:oleObj spid="_x0000_s48159" r:id="rId4" imgW="6824520" imgH="1076040" progId="">
                   <p:embed/>
                 </p:oleObj>
               </mc:Choice>
@@ -2445,7 +2441,7 @@
           <a:graphicData uri="http://schemas.openxmlformats.org/presentationml/2006/ole">
             <mc:AlternateContent xmlns:mc="http://schemas.openxmlformats.org/markup-compatibility/2006">
               <mc:Choice xmlns:v="urn:schemas-microsoft-com:vml" Requires="v">
-                <p:oleObj spid="_x0000_s49182" r:id="rId4" imgW="6824520" imgH="1076040" progId="">
+                <p:oleObj spid="_x0000_s49183" r:id="rId4" imgW="6824520" imgH="1076040" progId="">
                   <p:embed/>
                 </p:oleObj>
               </mc:Choice>
@@ -2797,7 +2793,7 @@
           <a:graphicData uri="http://schemas.openxmlformats.org/presentationml/2006/ole">
             <mc:AlternateContent xmlns:mc="http://schemas.openxmlformats.org/markup-compatibility/2006">
               <mc:Choice xmlns:v="urn:schemas-microsoft-com:vml" Requires="v">
-                <p:oleObj spid="_x0000_s50206" r:id="rId4" imgW="6824520" imgH="1076040" progId="">
+                <p:oleObj spid="_x0000_s50207" r:id="rId4" imgW="6824520" imgH="1076040" progId="">
                   <p:embed/>
                 </p:oleObj>
               </mc:Choice>
@@ -3190,7 +3186,7 @@
               <a:pPr>
                 <a:defRPr/>
               </a:pPr>
-              <a:t>2018/2/5</a:t>
+              <a:t>2019/7/16</a:t>
             </a:fld>
             <a:endParaRPr lang="zh-CN" altLang="en-US"/>
           </a:p>
@@ -3631,7 +3627,7 @@
               <a:pPr>
                 <a:defRPr/>
               </a:pPr>
-              <a:t>2018/2/5</a:t>
+              <a:t>2019/7/16</a:t>
             </a:fld>
             <a:endParaRPr lang="zh-CN" altLang="en-US"/>
           </a:p>
@@ -3769,7 +3765,7 @@
           <a:graphicData uri="http://schemas.openxmlformats.org/presentationml/2006/ole">
             <mc:AlternateContent xmlns:mc="http://schemas.openxmlformats.org/markup-compatibility/2006">
               <mc:Choice xmlns:v="urn:schemas-microsoft-com:vml" Requires="v">
-                <p:oleObj spid="_x0000_s51230" r:id="rId4" imgW="6824520" imgH="1076040" progId="">
+                <p:oleObj spid="_x0000_s51231" r:id="rId4" imgW="6824520" imgH="1076040" progId="">
                   <p:embed/>
                 </p:oleObj>
               </mc:Choice>
@@ -3994,7 +3990,7 @@
               <a:pPr>
                 <a:defRPr/>
               </a:pPr>
-              <a:t>2018/2/5</a:t>
+              <a:t>2019/7/16</a:t>
             </a:fld>
             <a:endParaRPr lang="zh-CN" altLang="en-US"/>
           </a:p>
@@ -4111,7 +4107,7 @@
               <a:pPr>
                 <a:defRPr/>
               </a:pPr>
-              <a:t>2018/2/5</a:t>
+              <a:t>2019/7/16</a:t>
             </a:fld>
             <a:endParaRPr lang="zh-CN" altLang="en-US"/>
           </a:p>
@@ -4408,7 +4404,7 @@
               <a:pPr>
                 <a:defRPr/>
               </a:pPr>
-              <a:t>2018/2/5</a:t>
+              <a:t>2019/7/16</a:t>
             </a:fld>
             <a:endParaRPr lang="zh-CN" altLang="en-US"/>
           </a:p>
@@ -4685,7 +4681,7 @@
               <a:pPr>
                 <a:defRPr/>
               </a:pPr>
-              <a:t>2018/2/5</a:t>
+              <a:t>2019/7/16</a:t>
             </a:fld>
             <a:endParaRPr lang="zh-CN" altLang="en-US"/>
           </a:p>
@@ -4973,7 +4969,7 @@
               <a:pPr>
                 <a:defRPr/>
               </a:pPr>
-              <a:t>2018/2/5</a:t>
+              <a:t>2019/7/16</a:t>
             </a:fld>
             <a:endParaRPr lang="zh-CN" altLang="en-US"/>
           </a:p>
@@ -5094,7 +5090,7 @@
           <a:graphicData uri="http://schemas.openxmlformats.org/presentationml/2006/ole">
             <mc:AlternateContent xmlns:mc="http://schemas.openxmlformats.org/markup-compatibility/2006">
               <mc:Choice xmlns:v="urn:schemas-microsoft-com:vml" Requires="v">
-                <p:oleObj spid="_x0000_s1054" r:id="rId16" imgW="6824520" imgH="1076040" progId="">
+                <p:oleObj spid="_x0000_s1055" r:id="rId16" imgW="6824520" imgH="1076040" progId="">
                   <p:embed/>
                 </p:oleObj>
               </mc:Choice>
@@ -7454,7 +7450,11 @@
             </a:r>
             <a:r>
               <a:rPr lang="zh-CN" altLang="en-US" dirty="0"/>
-              <a:t>，那么使用策略模式可以动态地让一个对象在许多行为中选择一种行为。</a:t>
+              <a:t>，那么使用策略模式可以动态地让一个对象在许多行为中选择一种</a:t>
+            </a:r>
+            <a:r>
+              <a:rPr lang="zh-CN" altLang="en-US"/>
+              <a:t>行为。 </a:t>
             </a:r>
             <a:endParaRPr lang="en-US" altLang="zh-CN" dirty="0"/>
           </a:p>
